--- a/_site/slides/week21/lecture.pptx
+++ b/_site/slides/week21/lecture.pptx
@@ -6853,6 +6853,10 @@
             <a:pPr lvl="0" indent="0" marL="1270000">
               <a:buNone/>
             </a:pPr>
+            <a:r>
+              <a:rPr sz="2000" b="1"/>
+              <a:t>Important</a:t>
+            </a:r>
           </a:p>
           <a:p>
             <a:pPr lvl="0" indent="0" marL="1270000">
@@ -6876,6 +6880,10 @@
             <a:pPr lvl="0" indent="0" marL="1270000">
               <a:buNone/>
             </a:pPr>
+            <a:r>
+              <a:rPr sz="2000" b="1"/>
+              <a:t>Caution</a:t>
+            </a:r>
           </a:p>
           <a:p>
             <a:pPr lvl="0" indent="0" marL="1270000">
@@ -6917,6 +6925,10 @@
             <a:pPr lvl="0" indent="0" marL="1270000">
               <a:buNone/>
             </a:pPr>
+            <a:r>
+              <a:rPr sz="2000" b="1"/>
+              <a:t>Important</a:t>
+            </a:r>
           </a:p>
           <a:p>
             <a:pPr lvl="0" indent="0" marL="1270000">
@@ -6940,6 +6952,10 @@
             <a:pPr lvl="0" indent="0" marL="1270000">
               <a:buNone/>
             </a:pPr>
+            <a:r>
+              <a:rPr sz="2000" b="1"/>
+              <a:t>Tip</a:t>
+            </a:r>
           </a:p>
           <a:p>
             <a:pPr lvl="0" indent="0" marL="1270000">
@@ -6963,6 +6979,10 @@
             <a:pPr lvl="0" indent="0" marL="1270000">
               <a:buNone/>
             </a:pPr>
+            <a:r>
+              <a:rPr sz="2000" b="1"/>
+              <a:t>Caution</a:t>
+            </a:r>
           </a:p>
           <a:p>
             <a:pPr lvl="0" indent="0" marL="1270000">

--- a/_site/slides/week21/lecture.pptx
+++ b/_site/slides/week21/lecture.pptx
@@ -5575,7 +5575,7 @@
             </a:pPr>
             <a:r>
               <a:rPr b="1"/>
-              <a:t>So why do people lie? (levine2010d?)</a:t>
+              <a:t>So why do people lie? Levine (2010)</a:t>
             </a:r>
           </a:p>
         </p:txBody>
@@ -7163,6 +7163,37 @@
             <a:r>
               <a:rPr b="1"/>
               <a:t>References</a:t>
+            </a:r>
+          </a:p>
+          <a:p>
+            <a:pPr lvl="0" indent="0" marL="0">
+              <a:buNone/>
+            </a:pPr>
+            <a:r>
+              <a:rPr/>
+              <a:t>Levine, T. R. (2010). A Few Transparent Liars Explaining 54. </a:t>
+            </a:r>
+            <a:r>
+              <a:rPr i="1"/>
+              <a:t>Annals of the International Communication Association</a:t>
+            </a:r>
+            <a:r>
+              <a:rPr/>
+              <a:t>, </a:t>
+            </a:r>
+            <a:r>
+              <a:rPr i="1"/>
+              <a:t>34</a:t>
+            </a:r>
+            <a:r>
+              <a:rPr/>
+              <a:t>(1), 41–61. </a:t>
+            </a:r>
+            <a:r>
+              <a:rPr>
+                <a:hlinkClick r:id="rId3"/>
+              </a:rPr>
+              <a:t>https://doi.org/10.1080/23808985.2010.11679095</a:t>
             </a:r>
           </a:p>
         </p:txBody>
